--- a/shell/linux/crontab.pptx
+++ b/shell/linux/crontab.pptx
@@ -260,7 +260,7 @@
           <a:p>
             <a:fld id="{A04AE7BF-F2E1-4B7A-962E-3664754ADFB7}" type="datetimeFigureOut">
               <a:rPr lang="zh-CN" altLang="en-US" smtClean="0"/>
-              <a:t>2020/7/11</a:t>
+              <a:t>2021/3/21</a:t>
             </a:fld>
             <a:endParaRPr lang="zh-CN" altLang="en-US"/>
           </a:p>
@@ -458,7 +458,7 @@
           <a:p>
             <a:fld id="{A04AE7BF-F2E1-4B7A-962E-3664754ADFB7}" type="datetimeFigureOut">
               <a:rPr lang="zh-CN" altLang="en-US" smtClean="0"/>
-              <a:t>2020/7/11</a:t>
+              <a:t>2021/3/21</a:t>
             </a:fld>
             <a:endParaRPr lang="zh-CN" altLang="en-US"/>
           </a:p>
@@ -666,7 +666,7 @@
           <a:p>
             <a:fld id="{A04AE7BF-F2E1-4B7A-962E-3664754ADFB7}" type="datetimeFigureOut">
               <a:rPr lang="zh-CN" altLang="en-US" smtClean="0"/>
-              <a:t>2020/7/11</a:t>
+              <a:t>2021/3/21</a:t>
             </a:fld>
             <a:endParaRPr lang="zh-CN" altLang="en-US"/>
           </a:p>
@@ -864,7 +864,7 @@
           <a:p>
             <a:fld id="{A04AE7BF-F2E1-4B7A-962E-3664754ADFB7}" type="datetimeFigureOut">
               <a:rPr lang="zh-CN" altLang="en-US" smtClean="0"/>
-              <a:t>2020/7/11</a:t>
+              <a:t>2021/3/21</a:t>
             </a:fld>
             <a:endParaRPr lang="zh-CN" altLang="en-US"/>
           </a:p>
@@ -1139,7 +1139,7 @@
           <a:p>
             <a:fld id="{A04AE7BF-F2E1-4B7A-962E-3664754ADFB7}" type="datetimeFigureOut">
               <a:rPr lang="zh-CN" altLang="en-US" smtClean="0"/>
-              <a:t>2020/7/11</a:t>
+              <a:t>2021/3/21</a:t>
             </a:fld>
             <a:endParaRPr lang="zh-CN" altLang="en-US"/>
           </a:p>
@@ -1404,7 +1404,7 @@
           <a:p>
             <a:fld id="{A04AE7BF-F2E1-4B7A-962E-3664754ADFB7}" type="datetimeFigureOut">
               <a:rPr lang="zh-CN" altLang="en-US" smtClean="0"/>
-              <a:t>2020/7/11</a:t>
+              <a:t>2021/3/21</a:t>
             </a:fld>
             <a:endParaRPr lang="zh-CN" altLang="en-US"/>
           </a:p>
@@ -1816,7 +1816,7 @@
           <a:p>
             <a:fld id="{A04AE7BF-F2E1-4B7A-962E-3664754ADFB7}" type="datetimeFigureOut">
               <a:rPr lang="zh-CN" altLang="en-US" smtClean="0"/>
-              <a:t>2020/7/11</a:t>
+              <a:t>2021/3/21</a:t>
             </a:fld>
             <a:endParaRPr lang="zh-CN" altLang="en-US"/>
           </a:p>
@@ -1957,7 +1957,7 @@
           <a:p>
             <a:fld id="{A04AE7BF-F2E1-4B7A-962E-3664754ADFB7}" type="datetimeFigureOut">
               <a:rPr lang="zh-CN" altLang="en-US" smtClean="0"/>
-              <a:t>2020/7/11</a:t>
+              <a:t>2021/3/21</a:t>
             </a:fld>
             <a:endParaRPr lang="zh-CN" altLang="en-US"/>
           </a:p>
@@ -2070,7 +2070,7 @@
           <a:p>
             <a:fld id="{A04AE7BF-F2E1-4B7A-962E-3664754ADFB7}" type="datetimeFigureOut">
               <a:rPr lang="zh-CN" altLang="en-US" smtClean="0"/>
-              <a:t>2020/7/11</a:t>
+              <a:t>2021/3/21</a:t>
             </a:fld>
             <a:endParaRPr lang="zh-CN" altLang="en-US"/>
           </a:p>
@@ -2381,7 +2381,7 @@
           <a:p>
             <a:fld id="{A04AE7BF-F2E1-4B7A-962E-3664754ADFB7}" type="datetimeFigureOut">
               <a:rPr lang="zh-CN" altLang="en-US" smtClean="0"/>
-              <a:t>2020/7/11</a:t>
+              <a:t>2021/3/21</a:t>
             </a:fld>
             <a:endParaRPr lang="zh-CN" altLang="en-US"/>
           </a:p>
@@ -2669,7 +2669,7 @@
           <a:p>
             <a:fld id="{A04AE7BF-F2E1-4B7A-962E-3664754ADFB7}" type="datetimeFigureOut">
               <a:rPr lang="zh-CN" altLang="en-US" smtClean="0"/>
-              <a:t>2020/7/11</a:t>
+              <a:t>2021/3/21</a:t>
             </a:fld>
             <a:endParaRPr lang="zh-CN" altLang="en-US"/>
           </a:p>
@@ -2910,7 +2910,7 @@
           <a:p>
             <a:fld id="{A04AE7BF-F2E1-4B7A-962E-3664754ADFB7}" type="datetimeFigureOut">
               <a:rPr lang="zh-CN" altLang="en-US" smtClean="0"/>
-              <a:t>2020/7/11</a:t>
+              <a:t>2021/3/21</a:t>
             </a:fld>
             <a:endParaRPr lang="zh-CN" altLang="en-US"/>
           </a:p>
@@ -6993,7 +6993,7 @@
         <p:spPr>
           <a:xfrm>
             <a:off x="86360" y="4732360"/>
-            <a:ext cx="11783084" cy="923330"/>
+            <a:ext cx="11783084" cy="1200329"/>
           </a:xfrm>
           <a:prstGeom prst="rect">
             <a:avLst/>
@@ -7086,7 +7086,7 @@
           <a:p>
             <a:r>
               <a:rPr lang="en-US" altLang="zh-CN" dirty="0"/>
-              <a:t>0 10,14 </a:t>
+              <a:t>*/5 * </a:t>
             </a:r>
             <a:r>
               <a:rPr lang="zh-CN" altLang="en-US" dirty="0"/>
@@ -7098,6 +7098,33 @@
             </a:r>
             <a:r>
               <a:rPr lang="zh-CN" altLang="en-US" dirty="0"/>
+              <a:t>* *：每</a:t>
+            </a:r>
+            <a:r>
+              <a:rPr lang="en-US" altLang="zh-CN" dirty="0"/>
+              <a:t>5</a:t>
+            </a:r>
+            <a:r>
+              <a:rPr lang="zh-CN" altLang="en-US" dirty="0"/>
+              <a:t>分钟执行一次</a:t>
+            </a:r>
+            <a:endParaRPr lang="en-US" altLang="zh-CN" dirty="0"/>
+          </a:p>
+          <a:p>
+            <a:r>
+              <a:rPr lang="en-US" altLang="zh-CN" dirty="0"/>
+              <a:t>0 10,14 </a:t>
+            </a:r>
+            <a:r>
+              <a:rPr lang="zh-CN" altLang="en-US" dirty="0"/>
+              <a:t>*</a:t>
+            </a:r>
+            <a:r>
+              <a:rPr lang="en-US" altLang="zh-CN" dirty="0"/>
+              <a:t> </a:t>
+            </a:r>
+            <a:r>
+              <a:rPr lang="zh-CN" altLang="en-US" dirty="0"/>
               <a:t>* *：每天的</a:t>
             </a:r>
             <a:r>
@@ -7108,6 +7135,7 @@
               <a:rPr lang="zh-CN" altLang="en-US" dirty="0"/>
               <a:t>执行</a:t>
             </a:r>
+            <a:endParaRPr lang="en-US" altLang="zh-CN" dirty="0"/>
           </a:p>
         </p:txBody>
       </p:sp>
@@ -7125,8 +7153,8 @@
         </p:nvSpPr>
         <p:spPr>
           <a:xfrm>
-            <a:off x="86360" y="3932838"/>
-            <a:ext cx="2972289" cy="646331"/>
+            <a:off x="98490" y="3696108"/>
+            <a:ext cx="4905638" cy="923330"/>
           </a:xfrm>
           <a:prstGeom prst="rect">
             <a:avLst/>
@@ -7148,14 +7176,96 @@
               <a:t>编辑任务命令：</a:t>
             </a:r>
             <a:r>
-              <a:rPr lang="en-US" altLang="zh-CN" dirty="0">
+              <a:rPr lang="en-US" altLang="zh-CN" dirty="0"/>
+              <a:t> </a:t>
+            </a:r>
+            <a:r>
+              <a:rPr lang="en-US" altLang="zh-CN"/>
+              <a:t>crontab</a:t>
+            </a:r>
+            <a:r>
+              <a:rPr lang="en-US" altLang="zh-CN">
                 <a:solidFill>
                   <a:srgbClr val="333333"/>
                 </a:solidFill>
                 <a:latin typeface="Helvetica Neue"/>
               </a:rPr>
-              <a:t>crontab –e</a:t>
-            </a:r>
+              <a:t> -e</a:t>
+            </a:r>
+            <a:endParaRPr lang="en-US" altLang="zh-CN" dirty="0">
+              <a:solidFill>
+                <a:srgbClr val="333333"/>
+              </a:solidFill>
+              <a:latin typeface="Helvetica Neue"/>
+            </a:endParaRPr>
+          </a:p>
+          <a:p>
+            <a:r>
+              <a:rPr lang="en-US" altLang="zh-CN" b="0" i="0" dirty="0">
+                <a:solidFill>
+                  <a:srgbClr val="5E5E5E"/>
+                </a:solidFill>
+                <a:effectLst/>
+                <a:latin typeface="PingFang SC"/>
+              </a:rPr>
+              <a:t>crontab -e</a:t>
+            </a:r>
+            <a:r>
+              <a:rPr lang="zh-CN" altLang="en-US" b="0" i="0" dirty="0">
+                <a:solidFill>
+                  <a:srgbClr val="5E5E5E"/>
+                </a:solidFill>
+                <a:effectLst/>
+                <a:latin typeface="PingFang SC"/>
+              </a:rPr>
+              <a:t>结果存放在</a:t>
+            </a:r>
+            <a:r>
+              <a:rPr lang="en-US" altLang="zh-CN" b="0" i="0" dirty="0">
+                <a:solidFill>
+                  <a:srgbClr val="5E5E5E"/>
+                </a:solidFill>
+                <a:effectLst/>
+                <a:latin typeface="PingFang SC"/>
+              </a:rPr>
+              <a:t>/var/spool/</a:t>
+            </a:r>
+            <a:r>
+              <a:rPr lang="en-US" altLang="zh-CN" b="0" i="0" dirty="0" err="1">
+                <a:solidFill>
+                  <a:srgbClr val="5E5E5E"/>
+                </a:solidFill>
+                <a:effectLst/>
+                <a:latin typeface="PingFang SC"/>
+              </a:rPr>
+              <a:t>cron</a:t>
+            </a:r>
+            <a:r>
+              <a:rPr lang="en-US" altLang="zh-CN" b="0" i="0" dirty="0">
+                <a:solidFill>
+                  <a:srgbClr val="5E5E5E"/>
+                </a:solidFill>
+                <a:effectLst/>
+                <a:latin typeface="PingFang SC"/>
+              </a:rPr>
+              <a:t>/crontabs</a:t>
+            </a:r>
+            <a:r>
+              <a:rPr lang="zh-CN" altLang="en-US" b="0" i="0" dirty="0">
+                <a:solidFill>
+                  <a:srgbClr val="5E5E5E"/>
+                </a:solidFill>
+                <a:effectLst/>
+                <a:latin typeface="PingFang SC"/>
+              </a:rPr>
+              <a:t>中</a:t>
+            </a:r>
+            <a:endParaRPr lang="en-US" altLang="zh-CN" dirty="0">
+              <a:solidFill>
+                <a:srgbClr val="333333"/>
+              </a:solidFill>
+              <a:latin typeface="Helvetica Neue"/>
+            </a:endParaRPr>
           </a:p>
           <a:p>
             <a:r>
